--- a/ppt 16-9/1159.圣洁的天堂.pptx
+++ b/ppt 16-9/1159.圣洁的天堂.pptx
@@ -129,7 +129,7 @@
           <p:cNvPr id="2" name="标题 1">
             <a:extLst>
               <a:ext uri="{FF2B5EF4-FFF2-40B4-BE49-F238E27FC236}">
-                <a16:creationId xmlns:a16="http://schemas.microsoft.com/office/drawing/2014/main" id="{1FFC162E-817F-1002-295B-F0FBAC0EB106}"/>
+                <a16:creationId xmlns:a16="http://schemas.microsoft.com/office/drawing/2014/main" id="{D8E5A2DC-2BB3-8DED-57DF-4975B6F38725}"/>
               </a:ext>
             </a:extLst>
           </p:cNvPr>
@@ -166,7 +166,7 @@
           <p:cNvPr id="3" name="副标题 2">
             <a:extLst>
               <a:ext uri="{FF2B5EF4-FFF2-40B4-BE49-F238E27FC236}">
-                <a16:creationId xmlns:a16="http://schemas.microsoft.com/office/drawing/2014/main" id="{1121B8DC-9E54-8F4D-6441-6E9A7E74C63C}"/>
+                <a16:creationId xmlns:a16="http://schemas.microsoft.com/office/drawing/2014/main" id="{DFE24A2A-8F27-25CC-B5E3-B0C33884332F}"/>
               </a:ext>
             </a:extLst>
           </p:cNvPr>
@@ -236,7 +236,7 @@
           <p:cNvPr id="4" name="日期占位符 3">
             <a:extLst>
               <a:ext uri="{FF2B5EF4-FFF2-40B4-BE49-F238E27FC236}">
-                <a16:creationId xmlns:a16="http://schemas.microsoft.com/office/drawing/2014/main" id="{C9F4CDC2-4036-6829-57FB-01A16EE89076}"/>
+                <a16:creationId xmlns:a16="http://schemas.microsoft.com/office/drawing/2014/main" id="{25ECB53A-F041-2D0B-4FA9-05B1735EAB9C}"/>
               </a:ext>
             </a:extLst>
           </p:cNvPr>
@@ -252,7 +252,7 @@
           <a:bodyPr/>
           <a:lstStyle/>
           <a:p>
-            <a:fld id="{034AA714-5794-4B31-A90F-D112511BB005}" type="datetimeFigureOut">
+            <a:fld id="{65048FFF-28BC-4293-85EE-29A646F93CB6}" type="datetimeFigureOut">
               <a:rPr lang="zh-CN" altLang="en-US" smtClean="0"/>
               <a:t>2024/3/10</a:t>
             </a:fld>
@@ -265,7 +265,7 @@
           <p:cNvPr id="5" name="页脚占位符 4">
             <a:extLst>
               <a:ext uri="{FF2B5EF4-FFF2-40B4-BE49-F238E27FC236}">
-                <a16:creationId xmlns:a16="http://schemas.microsoft.com/office/drawing/2014/main" id="{8E40A70B-8779-AB87-CF39-D213ED5C2F8C}"/>
+                <a16:creationId xmlns:a16="http://schemas.microsoft.com/office/drawing/2014/main" id="{402BF821-E749-2503-8536-753DBD694B3A}"/>
               </a:ext>
             </a:extLst>
           </p:cNvPr>
@@ -290,7 +290,7 @@
           <p:cNvPr id="6" name="灯片编号占位符 5">
             <a:extLst>
               <a:ext uri="{FF2B5EF4-FFF2-40B4-BE49-F238E27FC236}">
-                <a16:creationId xmlns:a16="http://schemas.microsoft.com/office/drawing/2014/main" id="{D3320D1B-B148-0A33-C201-7DBB3B1684B4}"/>
+                <a16:creationId xmlns:a16="http://schemas.microsoft.com/office/drawing/2014/main" id="{82BB2243-E5CE-39F3-AF9D-F226552377E6}"/>
               </a:ext>
             </a:extLst>
           </p:cNvPr>
@@ -306,7 +306,7 @@
           <a:bodyPr/>
           <a:lstStyle/>
           <a:p>
-            <a:fld id="{32CBA043-B185-443D-B9B8-C8C7EA288417}" type="slidenum">
+            <a:fld id="{C91ECEB5-786F-4011-9087-37A6EB93C432}" type="slidenum">
               <a:rPr lang="zh-CN" altLang="en-US" smtClean="0"/>
               <a:t>‹#›</a:t>
             </a:fld>
@@ -317,7 +317,7 @@
     </p:spTree>
     <p:extLst>
       <p:ext uri="{BB962C8B-B14F-4D97-AF65-F5344CB8AC3E}">
-        <p14:creationId xmlns:p14="http://schemas.microsoft.com/office/powerpoint/2010/main" val="245401256"/>
+        <p14:creationId xmlns:p14="http://schemas.microsoft.com/office/powerpoint/2010/main" val="478965127"/>
       </p:ext>
     </p:extLst>
   </p:cSld>
@@ -349,7 +349,7 @@
           <p:cNvPr id="2" name="标题 1">
             <a:extLst>
               <a:ext uri="{FF2B5EF4-FFF2-40B4-BE49-F238E27FC236}">
-                <a16:creationId xmlns:a16="http://schemas.microsoft.com/office/drawing/2014/main" id="{356AE369-3B3C-7C97-7308-3FDE72970FD0}"/>
+                <a16:creationId xmlns:a16="http://schemas.microsoft.com/office/drawing/2014/main" id="{B11934CA-66FE-050D-49C1-07EDC056EEFA}"/>
               </a:ext>
             </a:extLst>
           </p:cNvPr>
@@ -377,7 +377,7 @@
           <p:cNvPr id="3" name="竖排文字占位符 2">
             <a:extLst>
               <a:ext uri="{FF2B5EF4-FFF2-40B4-BE49-F238E27FC236}">
-                <a16:creationId xmlns:a16="http://schemas.microsoft.com/office/drawing/2014/main" id="{C630B4C8-8AE7-C4C8-C5D2-5A11C0F1B4DD}"/>
+                <a16:creationId xmlns:a16="http://schemas.microsoft.com/office/drawing/2014/main" id="{8ECE98A3-4F38-F934-9038-34F24BEE25DE}"/>
               </a:ext>
             </a:extLst>
           </p:cNvPr>
@@ -434,7 +434,7 @@
           <p:cNvPr id="4" name="日期占位符 3">
             <a:extLst>
               <a:ext uri="{FF2B5EF4-FFF2-40B4-BE49-F238E27FC236}">
-                <a16:creationId xmlns:a16="http://schemas.microsoft.com/office/drawing/2014/main" id="{2E024073-D8D1-80E8-0D2A-36DA8E4D2EC1}"/>
+                <a16:creationId xmlns:a16="http://schemas.microsoft.com/office/drawing/2014/main" id="{1CA092E4-EAEC-A132-63A9-64EDB0253247}"/>
               </a:ext>
             </a:extLst>
           </p:cNvPr>
@@ -450,7 +450,7 @@
           <a:bodyPr/>
           <a:lstStyle/>
           <a:p>
-            <a:fld id="{034AA714-5794-4B31-A90F-D112511BB005}" type="datetimeFigureOut">
+            <a:fld id="{65048FFF-28BC-4293-85EE-29A646F93CB6}" type="datetimeFigureOut">
               <a:rPr lang="zh-CN" altLang="en-US" smtClean="0"/>
               <a:t>2024/3/10</a:t>
             </a:fld>
@@ -463,7 +463,7 @@
           <p:cNvPr id="5" name="页脚占位符 4">
             <a:extLst>
               <a:ext uri="{FF2B5EF4-FFF2-40B4-BE49-F238E27FC236}">
-                <a16:creationId xmlns:a16="http://schemas.microsoft.com/office/drawing/2014/main" id="{34DC830A-B108-B2C4-D1A0-BC982D5A1EF0}"/>
+                <a16:creationId xmlns:a16="http://schemas.microsoft.com/office/drawing/2014/main" id="{B81CA9F0-9604-CE60-B70C-5D48632706D9}"/>
               </a:ext>
             </a:extLst>
           </p:cNvPr>
@@ -488,7 +488,7 @@
           <p:cNvPr id="6" name="灯片编号占位符 5">
             <a:extLst>
               <a:ext uri="{FF2B5EF4-FFF2-40B4-BE49-F238E27FC236}">
-                <a16:creationId xmlns:a16="http://schemas.microsoft.com/office/drawing/2014/main" id="{6BDF4A8E-3A26-5A1F-3D8C-81139BFD4267}"/>
+                <a16:creationId xmlns:a16="http://schemas.microsoft.com/office/drawing/2014/main" id="{27E2BBED-F046-CFCE-15D7-6D894460ADAB}"/>
               </a:ext>
             </a:extLst>
           </p:cNvPr>
@@ -504,7 +504,7 @@
           <a:bodyPr/>
           <a:lstStyle/>
           <a:p>
-            <a:fld id="{32CBA043-B185-443D-B9B8-C8C7EA288417}" type="slidenum">
+            <a:fld id="{C91ECEB5-786F-4011-9087-37A6EB93C432}" type="slidenum">
               <a:rPr lang="zh-CN" altLang="en-US" smtClean="0"/>
               <a:t>‹#›</a:t>
             </a:fld>
@@ -515,7 +515,7 @@
     </p:spTree>
     <p:extLst>
       <p:ext uri="{BB962C8B-B14F-4D97-AF65-F5344CB8AC3E}">
-        <p14:creationId xmlns:p14="http://schemas.microsoft.com/office/powerpoint/2010/main" val="451386080"/>
+        <p14:creationId xmlns:p14="http://schemas.microsoft.com/office/powerpoint/2010/main" val="3698873422"/>
       </p:ext>
     </p:extLst>
   </p:cSld>
@@ -547,7 +547,7 @@
           <p:cNvPr id="2" name="竖排标题 1">
             <a:extLst>
               <a:ext uri="{FF2B5EF4-FFF2-40B4-BE49-F238E27FC236}">
-                <a16:creationId xmlns:a16="http://schemas.microsoft.com/office/drawing/2014/main" id="{264F2BEC-CB19-4659-0255-D72931C1EF9C}"/>
+                <a16:creationId xmlns:a16="http://schemas.microsoft.com/office/drawing/2014/main" id="{E10EC418-F668-0BDC-7E21-6EAF75FEA91F}"/>
               </a:ext>
             </a:extLst>
           </p:cNvPr>
@@ -580,7 +580,7 @@
           <p:cNvPr id="3" name="竖排文字占位符 2">
             <a:extLst>
               <a:ext uri="{FF2B5EF4-FFF2-40B4-BE49-F238E27FC236}">
-                <a16:creationId xmlns:a16="http://schemas.microsoft.com/office/drawing/2014/main" id="{D0CC59E9-8D3F-B6BC-41F2-C968BF68B73C}"/>
+                <a16:creationId xmlns:a16="http://schemas.microsoft.com/office/drawing/2014/main" id="{45AAA467-D7F7-9F56-3F4F-42A1195A9CC1}"/>
               </a:ext>
             </a:extLst>
           </p:cNvPr>
@@ -642,7 +642,7 @@
           <p:cNvPr id="4" name="日期占位符 3">
             <a:extLst>
               <a:ext uri="{FF2B5EF4-FFF2-40B4-BE49-F238E27FC236}">
-                <a16:creationId xmlns:a16="http://schemas.microsoft.com/office/drawing/2014/main" id="{635E2171-A2A8-A98A-0EF3-E21B03E36FB4}"/>
+                <a16:creationId xmlns:a16="http://schemas.microsoft.com/office/drawing/2014/main" id="{4E368286-AD88-0D2D-C062-BAD0E671E883}"/>
               </a:ext>
             </a:extLst>
           </p:cNvPr>
@@ -658,7 +658,7 @@
           <a:bodyPr/>
           <a:lstStyle/>
           <a:p>
-            <a:fld id="{034AA714-5794-4B31-A90F-D112511BB005}" type="datetimeFigureOut">
+            <a:fld id="{65048FFF-28BC-4293-85EE-29A646F93CB6}" type="datetimeFigureOut">
               <a:rPr lang="zh-CN" altLang="en-US" smtClean="0"/>
               <a:t>2024/3/10</a:t>
             </a:fld>
@@ -671,7 +671,7 @@
           <p:cNvPr id="5" name="页脚占位符 4">
             <a:extLst>
               <a:ext uri="{FF2B5EF4-FFF2-40B4-BE49-F238E27FC236}">
-                <a16:creationId xmlns:a16="http://schemas.microsoft.com/office/drawing/2014/main" id="{A232436B-E65A-69D5-434C-E0B33AA26206}"/>
+                <a16:creationId xmlns:a16="http://schemas.microsoft.com/office/drawing/2014/main" id="{E4DB3D09-B434-55C9-A622-74D9C0173DF3}"/>
               </a:ext>
             </a:extLst>
           </p:cNvPr>
@@ -696,7 +696,7 @@
           <p:cNvPr id="6" name="灯片编号占位符 5">
             <a:extLst>
               <a:ext uri="{FF2B5EF4-FFF2-40B4-BE49-F238E27FC236}">
-                <a16:creationId xmlns:a16="http://schemas.microsoft.com/office/drawing/2014/main" id="{E1634C9F-C218-BE66-1E14-F30EFAF51384}"/>
+                <a16:creationId xmlns:a16="http://schemas.microsoft.com/office/drawing/2014/main" id="{9EED1341-7524-6802-E775-83F4AE4E55FE}"/>
               </a:ext>
             </a:extLst>
           </p:cNvPr>
@@ -712,7 +712,7 @@
           <a:bodyPr/>
           <a:lstStyle/>
           <a:p>
-            <a:fld id="{32CBA043-B185-443D-B9B8-C8C7EA288417}" type="slidenum">
+            <a:fld id="{C91ECEB5-786F-4011-9087-37A6EB93C432}" type="slidenum">
               <a:rPr lang="zh-CN" altLang="en-US" smtClean="0"/>
               <a:t>‹#›</a:t>
             </a:fld>
@@ -723,7 +723,7 @@
     </p:spTree>
     <p:extLst>
       <p:ext uri="{BB962C8B-B14F-4D97-AF65-F5344CB8AC3E}">
-        <p14:creationId xmlns:p14="http://schemas.microsoft.com/office/powerpoint/2010/main" val="748439744"/>
+        <p14:creationId xmlns:p14="http://schemas.microsoft.com/office/powerpoint/2010/main" val="3504158862"/>
       </p:ext>
     </p:extLst>
   </p:cSld>
@@ -755,7 +755,7 @@
           <p:cNvPr id="2" name="标题 1">
             <a:extLst>
               <a:ext uri="{FF2B5EF4-FFF2-40B4-BE49-F238E27FC236}">
-                <a16:creationId xmlns:a16="http://schemas.microsoft.com/office/drawing/2014/main" id="{505942DC-BDF6-53F7-A6A6-9AE79A0A745B}"/>
+                <a16:creationId xmlns:a16="http://schemas.microsoft.com/office/drawing/2014/main" id="{44CD5933-0EEA-5F70-7F12-347830AC625B}"/>
               </a:ext>
             </a:extLst>
           </p:cNvPr>
@@ -783,7 +783,7 @@
           <p:cNvPr id="3" name="内容占位符 2">
             <a:extLst>
               <a:ext uri="{FF2B5EF4-FFF2-40B4-BE49-F238E27FC236}">
-                <a16:creationId xmlns:a16="http://schemas.microsoft.com/office/drawing/2014/main" id="{2E385938-2156-B250-B36B-CE56F64A77B8}"/>
+                <a16:creationId xmlns:a16="http://schemas.microsoft.com/office/drawing/2014/main" id="{49FF33EB-AFF1-D78D-B3B3-1983B9ED28D1}"/>
               </a:ext>
             </a:extLst>
           </p:cNvPr>
@@ -840,7 +840,7 @@
           <p:cNvPr id="4" name="日期占位符 3">
             <a:extLst>
               <a:ext uri="{FF2B5EF4-FFF2-40B4-BE49-F238E27FC236}">
-                <a16:creationId xmlns:a16="http://schemas.microsoft.com/office/drawing/2014/main" id="{D0CA55F0-8371-FF7B-6EDC-7AFCE1FF4FC4}"/>
+                <a16:creationId xmlns:a16="http://schemas.microsoft.com/office/drawing/2014/main" id="{05980B81-D5B2-DFCD-6578-7A164AD53ED8}"/>
               </a:ext>
             </a:extLst>
           </p:cNvPr>
@@ -856,7 +856,7 @@
           <a:bodyPr/>
           <a:lstStyle/>
           <a:p>
-            <a:fld id="{034AA714-5794-4B31-A90F-D112511BB005}" type="datetimeFigureOut">
+            <a:fld id="{65048FFF-28BC-4293-85EE-29A646F93CB6}" type="datetimeFigureOut">
               <a:rPr lang="zh-CN" altLang="en-US" smtClean="0"/>
               <a:t>2024/3/10</a:t>
             </a:fld>
@@ -869,7 +869,7 @@
           <p:cNvPr id="5" name="页脚占位符 4">
             <a:extLst>
               <a:ext uri="{FF2B5EF4-FFF2-40B4-BE49-F238E27FC236}">
-                <a16:creationId xmlns:a16="http://schemas.microsoft.com/office/drawing/2014/main" id="{8D76738B-7760-EAEB-8231-6353E7D8D8F8}"/>
+                <a16:creationId xmlns:a16="http://schemas.microsoft.com/office/drawing/2014/main" id="{1C6A1AC0-8CD9-EBC2-5E0F-45B7A5CFA64C}"/>
               </a:ext>
             </a:extLst>
           </p:cNvPr>
@@ -894,7 +894,7 @@
           <p:cNvPr id="6" name="灯片编号占位符 5">
             <a:extLst>
               <a:ext uri="{FF2B5EF4-FFF2-40B4-BE49-F238E27FC236}">
-                <a16:creationId xmlns:a16="http://schemas.microsoft.com/office/drawing/2014/main" id="{23F208BE-D923-AECD-2C41-56F010840C05}"/>
+                <a16:creationId xmlns:a16="http://schemas.microsoft.com/office/drawing/2014/main" id="{AE786D35-7729-CE16-3DE4-A05E7E28E5CF}"/>
               </a:ext>
             </a:extLst>
           </p:cNvPr>
@@ -910,7 +910,7 @@
           <a:bodyPr/>
           <a:lstStyle/>
           <a:p>
-            <a:fld id="{32CBA043-B185-443D-B9B8-C8C7EA288417}" type="slidenum">
+            <a:fld id="{C91ECEB5-786F-4011-9087-37A6EB93C432}" type="slidenum">
               <a:rPr lang="zh-CN" altLang="en-US" smtClean="0"/>
               <a:t>‹#›</a:t>
             </a:fld>
@@ -921,7 +921,7 @@
     </p:spTree>
     <p:extLst>
       <p:ext uri="{BB962C8B-B14F-4D97-AF65-F5344CB8AC3E}">
-        <p14:creationId xmlns:p14="http://schemas.microsoft.com/office/powerpoint/2010/main" val="648552488"/>
+        <p14:creationId xmlns:p14="http://schemas.microsoft.com/office/powerpoint/2010/main" val="2252789668"/>
       </p:ext>
     </p:extLst>
   </p:cSld>
@@ -953,7 +953,7 @@
           <p:cNvPr id="2" name="标题 1">
             <a:extLst>
               <a:ext uri="{FF2B5EF4-FFF2-40B4-BE49-F238E27FC236}">
-                <a16:creationId xmlns:a16="http://schemas.microsoft.com/office/drawing/2014/main" id="{834B24AF-EEA7-53AC-C09C-CABC007B8229}"/>
+                <a16:creationId xmlns:a16="http://schemas.microsoft.com/office/drawing/2014/main" id="{9D7F8CD0-60BD-086D-007E-211858D32F93}"/>
               </a:ext>
             </a:extLst>
           </p:cNvPr>
@@ -990,7 +990,7 @@
           <p:cNvPr id="3" name="文本占位符 2">
             <a:extLst>
               <a:ext uri="{FF2B5EF4-FFF2-40B4-BE49-F238E27FC236}">
-                <a16:creationId xmlns:a16="http://schemas.microsoft.com/office/drawing/2014/main" id="{E3681F41-56E4-62BA-0302-5212C03CBEC1}"/>
+                <a16:creationId xmlns:a16="http://schemas.microsoft.com/office/drawing/2014/main" id="{0253CFA4-46B1-4010-0149-C06124D9B3F0}"/>
               </a:ext>
             </a:extLst>
           </p:cNvPr>
@@ -1115,7 +1115,7 @@
           <p:cNvPr id="4" name="日期占位符 3">
             <a:extLst>
               <a:ext uri="{FF2B5EF4-FFF2-40B4-BE49-F238E27FC236}">
-                <a16:creationId xmlns:a16="http://schemas.microsoft.com/office/drawing/2014/main" id="{EF82BFF7-EB6C-4DFC-8592-BB839030115C}"/>
+                <a16:creationId xmlns:a16="http://schemas.microsoft.com/office/drawing/2014/main" id="{84CD3A22-42C6-3969-85F5-57795C8FA35C}"/>
               </a:ext>
             </a:extLst>
           </p:cNvPr>
@@ -1131,7 +1131,7 @@
           <a:bodyPr/>
           <a:lstStyle/>
           <a:p>
-            <a:fld id="{034AA714-5794-4B31-A90F-D112511BB005}" type="datetimeFigureOut">
+            <a:fld id="{65048FFF-28BC-4293-85EE-29A646F93CB6}" type="datetimeFigureOut">
               <a:rPr lang="zh-CN" altLang="en-US" smtClean="0"/>
               <a:t>2024/3/10</a:t>
             </a:fld>
@@ -1144,7 +1144,7 @@
           <p:cNvPr id="5" name="页脚占位符 4">
             <a:extLst>
               <a:ext uri="{FF2B5EF4-FFF2-40B4-BE49-F238E27FC236}">
-                <a16:creationId xmlns:a16="http://schemas.microsoft.com/office/drawing/2014/main" id="{2D3DF78B-D5C2-F72B-0ADD-D43222CA15CC}"/>
+                <a16:creationId xmlns:a16="http://schemas.microsoft.com/office/drawing/2014/main" id="{92ADE235-901F-3AAB-5093-D660D53622EF}"/>
               </a:ext>
             </a:extLst>
           </p:cNvPr>
@@ -1169,7 +1169,7 @@
           <p:cNvPr id="6" name="灯片编号占位符 5">
             <a:extLst>
               <a:ext uri="{FF2B5EF4-FFF2-40B4-BE49-F238E27FC236}">
-                <a16:creationId xmlns:a16="http://schemas.microsoft.com/office/drawing/2014/main" id="{DD10D13A-C7B6-8F32-FFFE-FDC9D79F2FA7}"/>
+                <a16:creationId xmlns:a16="http://schemas.microsoft.com/office/drawing/2014/main" id="{2B6D2580-757E-6454-6853-A4D2D2E64F73}"/>
               </a:ext>
             </a:extLst>
           </p:cNvPr>
@@ -1185,7 +1185,7 @@
           <a:bodyPr/>
           <a:lstStyle/>
           <a:p>
-            <a:fld id="{32CBA043-B185-443D-B9B8-C8C7EA288417}" type="slidenum">
+            <a:fld id="{C91ECEB5-786F-4011-9087-37A6EB93C432}" type="slidenum">
               <a:rPr lang="zh-CN" altLang="en-US" smtClean="0"/>
               <a:t>‹#›</a:t>
             </a:fld>
@@ -1196,7 +1196,7 @@
     </p:spTree>
     <p:extLst>
       <p:ext uri="{BB962C8B-B14F-4D97-AF65-F5344CB8AC3E}">
-        <p14:creationId xmlns:p14="http://schemas.microsoft.com/office/powerpoint/2010/main" val="3925796679"/>
+        <p14:creationId xmlns:p14="http://schemas.microsoft.com/office/powerpoint/2010/main" val="1804222942"/>
       </p:ext>
     </p:extLst>
   </p:cSld>
@@ -1228,7 +1228,7 @@
           <p:cNvPr id="2" name="标题 1">
             <a:extLst>
               <a:ext uri="{FF2B5EF4-FFF2-40B4-BE49-F238E27FC236}">
-                <a16:creationId xmlns:a16="http://schemas.microsoft.com/office/drawing/2014/main" id="{0FA67927-4CC6-E2C9-AC99-6950BA0F1A71}"/>
+                <a16:creationId xmlns:a16="http://schemas.microsoft.com/office/drawing/2014/main" id="{099511BF-C9BC-F193-F611-1546D3CD0A36}"/>
               </a:ext>
             </a:extLst>
           </p:cNvPr>
@@ -1256,7 +1256,7 @@
           <p:cNvPr id="3" name="内容占位符 2">
             <a:extLst>
               <a:ext uri="{FF2B5EF4-FFF2-40B4-BE49-F238E27FC236}">
-                <a16:creationId xmlns:a16="http://schemas.microsoft.com/office/drawing/2014/main" id="{95844D98-9C33-AA8C-308B-FC48290961FE}"/>
+                <a16:creationId xmlns:a16="http://schemas.microsoft.com/office/drawing/2014/main" id="{A4C24ECF-C7FD-5C88-84DA-7E6CEA12EDFE}"/>
               </a:ext>
             </a:extLst>
           </p:cNvPr>
@@ -1318,7 +1318,7 @@
           <p:cNvPr id="4" name="内容占位符 3">
             <a:extLst>
               <a:ext uri="{FF2B5EF4-FFF2-40B4-BE49-F238E27FC236}">
-                <a16:creationId xmlns:a16="http://schemas.microsoft.com/office/drawing/2014/main" id="{756377B3-F832-A0D8-641C-1A39BA4E672E}"/>
+                <a16:creationId xmlns:a16="http://schemas.microsoft.com/office/drawing/2014/main" id="{E76110C1-F58D-7291-069E-2F3DFFA74492}"/>
               </a:ext>
             </a:extLst>
           </p:cNvPr>
@@ -1380,7 +1380,7 @@
           <p:cNvPr id="5" name="日期占位符 4">
             <a:extLst>
               <a:ext uri="{FF2B5EF4-FFF2-40B4-BE49-F238E27FC236}">
-                <a16:creationId xmlns:a16="http://schemas.microsoft.com/office/drawing/2014/main" id="{2B3F2CEA-1B35-5F0F-6AE7-BB3B98C92EE6}"/>
+                <a16:creationId xmlns:a16="http://schemas.microsoft.com/office/drawing/2014/main" id="{71EAACDF-96A4-5669-3422-BF3AC46D431D}"/>
               </a:ext>
             </a:extLst>
           </p:cNvPr>
@@ -1396,7 +1396,7 @@
           <a:bodyPr/>
           <a:lstStyle/>
           <a:p>
-            <a:fld id="{034AA714-5794-4B31-A90F-D112511BB005}" type="datetimeFigureOut">
+            <a:fld id="{65048FFF-28BC-4293-85EE-29A646F93CB6}" type="datetimeFigureOut">
               <a:rPr lang="zh-CN" altLang="en-US" smtClean="0"/>
               <a:t>2024/3/10</a:t>
             </a:fld>
@@ -1409,7 +1409,7 @@
           <p:cNvPr id="6" name="页脚占位符 5">
             <a:extLst>
               <a:ext uri="{FF2B5EF4-FFF2-40B4-BE49-F238E27FC236}">
-                <a16:creationId xmlns:a16="http://schemas.microsoft.com/office/drawing/2014/main" id="{BEE81F4E-4DA2-2366-D0E3-F10DD92593D2}"/>
+                <a16:creationId xmlns:a16="http://schemas.microsoft.com/office/drawing/2014/main" id="{81431779-ABF9-757D-8067-91DEB1FF7982}"/>
               </a:ext>
             </a:extLst>
           </p:cNvPr>
@@ -1434,7 +1434,7 @@
           <p:cNvPr id="7" name="灯片编号占位符 6">
             <a:extLst>
               <a:ext uri="{FF2B5EF4-FFF2-40B4-BE49-F238E27FC236}">
-                <a16:creationId xmlns:a16="http://schemas.microsoft.com/office/drawing/2014/main" id="{E73760F4-14A7-69DF-8FD3-799ABFAABA6F}"/>
+                <a16:creationId xmlns:a16="http://schemas.microsoft.com/office/drawing/2014/main" id="{2CD5D597-93DB-EC17-A8CD-01547726F9D5}"/>
               </a:ext>
             </a:extLst>
           </p:cNvPr>
@@ -1450,7 +1450,7 @@
           <a:bodyPr/>
           <a:lstStyle/>
           <a:p>
-            <a:fld id="{32CBA043-B185-443D-B9B8-C8C7EA288417}" type="slidenum">
+            <a:fld id="{C91ECEB5-786F-4011-9087-37A6EB93C432}" type="slidenum">
               <a:rPr lang="zh-CN" altLang="en-US" smtClean="0"/>
               <a:t>‹#›</a:t>
             </a:fld>
@@ -1461,7 +1461,7 @@
     </p:spTree>
     <p:extLst>
       <p:ext uri="{BB962C8B-B14F-4D97-AF65-F5344CB8AC3E}">
-        <p14:creationId xmlns:p14="http://schemas.microsoft.com/office/powerpoint/2010/main" val="1022221512"/>
+        <p14:creationId xmlns:p14="http://schemas.microsoft.com/office/powerpoint/2010/main" val="338463147"/>
       </p:ext>
     </p:extLst>
   </p:cSld>
@@ -1493,7 +1493,7 @@
           <p:cNvPr id="2" name="标题 1">
             <a:extLst>
               <a:ext uri="{FF2B5EF4-FFF2-40B4-BE49-F238E27FC236}">
-                <a16:creationId xmlns:a16="http://schemas.microsoft.com/office/drawing/2014/main" id="{F0E9E3F0-2D8E-E5E5-4CDE-72DC1FE05A6C}"/>
+                <a16:creationId xmlns:a16="http://schemas.microsoft.com/office/drawing/2014/main" id="{D8423148-A2D7-9DCA-D0F5-A876A03E88E7}"/>
               </a:ext>
             </a:extLst>
           </p:cNvPr>
@@ -1526,7 +1526,7 @@
           <p:cNvPr id="3" name="文本占位符 2">
             <a:extLst>
               <a:ext uri="{FF2B5EF4-FFF2-40B4-BE49-F238E27FC236}">
-                <a16:creationId xmlns:a16="http://schemas.microsoft.com/office/drawing/2014/main" id="{427AB758-55F1-6286-EE66-A89F6791F00E}"/>
+                <a16:creationId xmlns:a16="http://schemas.microsoft.com/office/drawing/2014/main" id="{B1239B20-A119-EECF-418E-1E19662E8090}"/>
               </a:ext>
             </a:extLst>
           </p:cNvPr>
@@ -1597,7 +1597,7 @@
           <p:cNvPr id="4" name="内容占位符 3">
             <a:extLst>
               <a:ext uri="{FF2B5EF4-FFF2-40B4-BE49-F238E27FC236}">
-                <a16:creationId xmlns:a16="http://schemas.microsoft.com/office/drawing/2014/main" id="{E7D6C01E-0CD4-1B64-E184-DF170698E933}"/>
+                <a16:creationId xmlns:a16="http://schemas.microsoft.com/office/drawing/2014/main" id="{DE7CCC79-3E7E-0AFE-4EB2-51CD140532EA}"/>
               </a:ext>
             </a:extLst>
           </p:cNvPr>
@@ -1659,7 +1659,7 @@
           <p:cNvPr id="5" name="文本占位符 4">
             <a:extLst>
               <a:ext uri="{FF2B5EF4-FFF2-40B4-BE49-F238E27FC236}">
-                <a16:creationId xmlns:a16="http://schemas.microsoft.com/office/drawing/2014/main" id="{6B39D84C-B5EF-AF1E-FE0F-5A16981D9A36}"/>
+                <a16:creationId xmlns:a16="http://schemas.microsoft.com/office/drawing/2014/main" id="{4A648FAB-101E-E59B-D026-9B9B8BDD88D5}"/>
               </a:ext>
             </a:extLst>
           </p:cNvPr>
@@ -1730,7 +1730,7 @@
           <p:cNvPr id="6" name="内容占位符 5">
             <a:extLst>
               <a:ext uri="{FF2B5EF4-FFF2-40B4-BE49-F238E27FC236}">
-                <a16:creationId xmlns:a16="http://schemas.microsoft.com/office/drawing/2014/main" id="{0434EB7C-2591-7A5C-A61E-E370A4E6E473}"/>
+                <a16:creationId xmlns:a16="http://schemas.microsoft.com/office/drawing/2014/main" id="{3C1DBCAA-096B-1A03-6F5B-A659E14A9A65}"/>
               </a:ext>
             </a:extLst>
           </p:cNvPr>
@@ -1792,7 +1792,7 @@
           <p:cNvPr id="7" name="日期占位符 6">
             <a:extLst>
               <a:ext uri="{FF2B5EF4-FFF2-40B4-BE49-F238E27FC236}">
-                <a16:creationId xmlns:a16="http://schemas.microsoft.com/office/drawing/2014/main" id="{458A16CA-6970-9197-DCA1-027277D8550A}"/>
+                <a16:creationId xmlns:a16="http://schemas.microsoft.com/office/drawing/2014/main" id="{A9347EA6-912F-85C3-98EA-91E9339A7660}"/>
               </a:ext>
             </a:extLst>
           </p:cNvPr>
@@ -1808,7 +1808,7 @@
           <a:bodyPr/>
           <a:lstStyle/>
           <a:p>
-            <a:fld id="{034AA714-5794-4B31-A90F-D112511BB005}" type="datetimeFigureOut">
+            <a:fld id="{65048FFF-28BC-4293-85EE-29A646F93CB6}" type="datetimeFigureOut">
               <a:rPr lang="zh-CN" altLang="en-US" smtClean="0"/>
               <a:t>2024/3/10</a:t>
             </a:fld>
@@ -1821,7 +1821,7 @@
           <p:cNvPr id="8" name="页脚占位符 7">
             <a:extLst>
               <a:ext uri="{FF2B5EF4-FFF2-40B4-BE49-F238E27FC236}">
-                <a16:creationId xmlns:a16="http://schemas.microsoft.com/office/drawing/2014/main" id="{EB888F20-C6AE-D83A-58AF-DDCF71B169B3}"/>
+                <a16:creationId xmlns:a16="http://schemas.microsoft.com/office/drawing/2014/main" id="{7D5CD40F-0923-AB0A-8873-0A93646EA108}"/>
               </a:ext>
             </a:extLst>
           </p:cNvPr>
@@ -1846,7 +1846,7 @@
           <p:cNvPr id="9" name="灯片编号占位符 8">
             <a:extLst>
               <a:ext uri="{FF2B5EF4-FFF2-40B4-BE49-F238E27FC236}">
-                <a16:creationId xmlns:a16="http://schemas.microsoft.com/office/drawing/2014/main" id="{61E4FF9B-2AF8-CBE1-C81F-B8FF22E138A7}"/>
+                <a16:creationId xmlns:a16="http://schemas.microsoft.com/office/drawing/2014/main" id="{C93B7CBE-0A11-09E4-7C3A-E38D1CA8142F}"/>
               </a:ext>
             </a:extLst>
           </p:cNvPr>
@@ -1862,7 +1862,7 @@
           <a:bodyPr/>
           <a:lstStyle/>
           <a:p>
-            <a:fld id="{32CBA043-B185-443D-B9B8-C8C7EA288417}" type="slidenum">
+            <a:fld id="{C91ECEB5-786F-4011-9087-37A6EB93C432}" type="slidenum">
               <a:rPr lang="zh-CN" altLang="en-US" smtClean="0"/>
               <a:t>‹#›</a:t>
             </a:fld>
@@ -1873,7 +1873,7 @@
     </p:spTree>
     <p:extLst>
       <p:ext uri="{BB962C8B-B14F-4D97-AF65-F5344CB8AC3E}">
-        <p14:creationId xmlns:p14="http://schemas.microsoft.com/office/powerpoint/2010/main" val="1561329004"/>
+        <p14:creationId xmlns:p14="http://schemas.microsoft.com/office/powerpoint/2010/main" val="3961457457"/>
       </p:ext>
     </p:extLst>
   </p:cSld>
@@ -1905,7 +1905,7 @@
           <p:cNvPr id="2" name="标题 1">
             <a:extLst>
               <a:ext uri="{FF2B5EF4-FFF2-40B4-BE49-F238E27FC236}">
-                <a16:creationId xmlns:a16="http://schemas.microsoft.com/office/drawing/2014/main" id="{E3FB7E88-FB2B-873F-DFC1-1B7629765C2A}"/>
+                <a16:creationId xmlns:a16="http://schemas.microsoft.com/office/drawing/2014/main" id="{26ECF5D2-F66D-11D5-A582-4E87ECF7785C}"/>
               </a:ext>
             </a:extLst>
           </p:cNvPr>
@@ -1933,7 +1933,7 @@
           <p:cNvPr id="3" name="日期占位符 2">
             <a:extLst>
               <a:ext uri="{FF2B5EF4-FFF2-40B4-BE49-F238E27FC236}">
-                <a16:creationId xmlns:a16="http://schemas.microsoft.com/office/drawing/2014/main" id="{DC81014A-11D3-4E3D-1C2D-06685549E90C}"/>
+                <a16:creationId xmlns:a16="http://schemas.microsoft.com/office/drawing/2014/main" id="{F01692C2-70CB-D9C3-2577-28ED80603A78}"/>
               </a:ext>
             </a:extLst>
           </p:cNvPr>
@@ -1949,7 +1949,7 @@
           <a:bodyPr/>
           <a:lstStyle/>
           <a:p>
-            <a:fld id="{034AA714-5794-4B31-A90F-D112511BB005}" type="datetimeFigureOut">
+            <a:fld id="{65048FFF-28BC-4293-85EE-29A646F93CB6}" type="datetimeFigureOut">
               <a:rPr lang="zh-CN" altLang="en-US" smtClean="0"/>
               <a:t>2024/3/10</a:t>
             </a:fld>
@@ -1962,7 +1962,7 @@
           <p:cNvPr id="4" name="页脚占位符 3">
             <a:extLst>
               <a:ext uri="{FF2B5EF4-FFF2-40B4-BE49-F238E27FC236}">
-                <a16:creationId xmlns:a16="http://schemas.microsoft.com/office/drawing/2014/main" id="{12BA108E-723B-8546-3F23-ADEC40601669}"/>
+                <a16:creationId xmlns:a16="http://schemas.microsoft.com/office/drawing/2014/main" id="{47B0E349-9A6C-354B-7768-B5E7D5D9AB46}"/>
               </a:ext>
             </a:extLst>
           </p:cNvPr>
@@ -1987,7 +1987,7 @@
           <p:cNvPr id="5" name="灯片编号占位符 4">
             <a:extLst>
               <a:ext uri="{FF2B5EF4-FFF2-40B4-BE49-F238E27FC236}">
-                <a16:creationId xmlns:a16="http://schemas.microsoft.com/office/drawing/2014/main" id="{8E3B7A98-9CF9-B20A-EAE0-84D20A56AE5F}"/>
+                <a16:creationId xmlns:a16="http://schemas.microsoft.com/office/drawing/2014/main" id="{B2B86124-DCAB-E125-DF76-76603642728B}"/>
               </a:ext>
             </a:extLst>
           </p:cNvPr>
@@ -2003,7 +2003,7 @@
           <a:bodyPr/>
           <a:lstStyle/>
           <a:p>
-            <a:fld id="{32CBA043-B185-443D-B9B8-C8C7EA288417}" type="slidenum">
+            <a:fld id="{C91ECEB5-786F-4011-9087-37A6EB93C432}" type="slidenum">
               <a:rPr lang="zh-CN" altLang="en-US" smtClean="0"/>
               <a:t>‹#›</a:t>
             </a:fld>
@@ -2014,7 +2014,7 @@
     </p:spTree>
     <p:extLst>
       <p:ext uri="{BB962C8B-B14F-4D97-AF65-F5344CB8AC3E}">
-        <p14:creationId xmlns:p14="http://schemas.microsoft.com/office/powerpoint/2010/main" val="653010548"/>
+        <p14:creationId xmlns:p14="http://schemas.microsoft.com/office/powerpoint/2010/main" val="2833120960"/>
       </p:ext>
     </p:extLst>
   </p:cSld>
@@ -2046,7 +2046,7 @@
           <p:cNvPr id="2" name="日期占位符 1">
             <a:extLst>
               <a:ext uri="{FF2B5EF4-FFF2-40B4-BE49-F238E27FC236}">
-                <a16:creationId xmlns:a16="http://schemas.microsoft.com/office/drawing/2014/main" id="{FE1117A4-6208-0234-01AA-6DCFB010844D}"/>
+                <a16:creationId xmlns:a16="http://schemas.microsoft.com/office/drawing/2014/main" id="{6F3722DF-69AF-152A-228E-8ABC5784CC80}"/>
               </a:ext>
             </a:extLst>
           </p:cNvPr>
@@ -2062,7 +2062,7 @@
           <a:bodyPr/>
           <a:lstStyle/>
           <a:p>
-            <a:fld id="{034AA714-5794-4B31-A90F-D112511BB005}" type="datetimeFigureOut">
+            <a:fld id="{65048FFF-28BC-4293-85EE-29A646F93CB6}" type="datetimeFigureOut">
               <a:rPr lang="zh-CN" altLang="en-US" smtClean="0"/>
               <a:t>2024/3/10</a:t>
             </a:fld>
@@ -2075,7 +2075,7 @@
           <p:cNvPr id="3" name="页脚占位符 2">
             <a:extLst>
               <a:ext uri="{FF2B5EF4-FFF2-40B4-BE49-F238E27FC236}">
-                <a16:creationId xmlns:a16="http://schemas.microsoft.com/office/drawing/2014/main" id="{DA5DE8C3-880D-F71B-B97C-EDFADCE9B25F}"/>
+                <a16:creationId xmlns:a16="http://schemas.microsoft.com/office/drawing/2014/main" id="{866CAC3D-9498-E0A4-62DA-A198D56F7C65}"/>
               </a:ext>
             </a:extLst>
           </p:cNvPr>
@@ -2100,7 +2100,7 @@
           <p:cNvPr id="4" name="灯片编号占位符 3">
             <a:extLst>
               <a:ext uri="{FF2B5EF4-FFF2-40B4-BE49-F238E27FC236}">
-                <a16:creationId xmlns:a16="http://schemas.microsoft.com/office/drawing/2014/main" id="{68ECC0D7-EE5C-8416-D0EC-2BDCD0FA3E76}"/>
+                <a16:creationId xmlns:a16="http://schemas.microsoft.com/office/drawing/2014/main" id="{77AAAEED-1BEB-9706-79C6-33B728ABEA4C}"/>
               </a:ext>
             </a:extLst>
           </p:cNvPr>
@@ -2116,7 +2116,7 @@
           <a:bodyPr/>
           <a:lstStyle/>
           <a:p>
-            <a:fld id="{32CBA043-B185-443D-B9B8-C8C7EA288417}" type="slidenum">
+            <a:fld id="{C91ECEB5-786F-4011-9087-37A6EB93C432}" type="slidenum">
               <a:rPr lang="zh-CN" altLang="en-US" smtClean="0"/>
               <a:t>‹#›</a:t>
             </a:fld>
@@ -2127,7 +2127,7 @@
     </p:spTree>
     <p:extLst>
       <p:ext uri="{BB962C8B-B14F-4D97-AF65-F5344CB8AC3E}">
-        <p14:creationId xmlns:p14="http://schemas.microsoft.com/office/powerpoint/2010/main" val="684873452"/>
+        <p14:creationId xmlns:p14="http://schemas.microsoft.com/office/powerpoint/2010/main" val="1300545136"/>
       </p:ext>
     </p:extLst>
   </p:cSld>
@@ -2159,7 +2159,7 @@
           <p:cNvPr id="2" name="标题 1">
             <a:extLst>
               <a:ext uri="{FF2B5EF4-FFF2-40B4-BE49-F238E27FC236}">
-                <a16:creationId xmlns:a16="http://schemas.microsoft.com/office/drawing/2014/main" id="{C029ECC3-AA85-868C-0F80-C44F95A3ACAB}"/>
+                <a16:creationId xmlns:a16="http://schemas.microsoft.com/office/drawing/2014/main" id="{9B158431-DB07-5942-7DF6-D6F290FB4EAD}"/>
               </a:ext>
             </a:extLst>
           </p:cNvPr>
@@ -2196,7 +2196,7 @@
           <p:cNvPr id="3" name="内容占位符 2">
             <a:extLst>
               <a:ext uri="{FF2B5EF4-FFF2-40B4-BE49-F238E27FC236}">
-                <a16:creationId xmlns:a16="http://schemas.microsoft.com/office/drawing/2014/main" id="{AD160687-D5BA-0A63-AE7F-F5E12DB1E234}"/>
+                <a16:creationId xmlns:a16="http://schemas.microsoft.com/office/drawing/2014/main" id="{3FF7FA31-5D60-55EF-B417-95C337CE8BCA}"/>
               </a:ext>
             </a:extLst>
           </p:cNvPr>
@@ -2286,7 +2286,7 @@
           <p:cNvPr id="4" name="文本占位符 3">
             <a:extLst>
               <a:ext uri="{FF2B5EF4-FFF2-40B4-BE49-F238E27FC236}">
-                <a16:creationId xmlns:a16="http://schemas.microsoft.com/office/drawing/2014/main" id="{A7010FEF-61EC-3D54-5010-AF0C476CC773}"/>
+                <a16:creationId xmlns:a16="http://schemas.microsoft.com/office/drawing/2014/main" id="{173191FA-FF85-5620-9134-98D6E3251519}"/>
               </a:ext>
             </a:extLst>
           </p:cNvPr>
@@ -2357,7 +2357,7 @@
           <p:cNvPr id="5" name="日期占位符 4">
             <a:extLst>
               <a:ext uri="{FF2B5EF4-FFF2-40B4-BE49-F238E27FC236}">
-                <a16:creationId xmlns:a16="http://schemas.microsoft.com/office/drawing/2014/main" id="{EFD46E5B-D716-A03E-4D80-2B214CD77C6A}"/>
+                <a16:creationId xmlns:a16="http://schemas.microsoft.com/office/drawing/2014/main" id="{E2932D8D-B1A9-9EF1-162B-D77680013728}"/>
               </a:ext>
             </a:extLst>
           </p:cNvPr>
@@ -2373,7 +2373,7 @@
           <a:bodyPr/>
           <a:lstStyle/>
           <a:p>
-            <a:fld id="{034AA714-5794-4B31-A90F-D112511BB005}" type="datetimeFigureOut">
+            <a:fld id="{65048FFF-28BC-4293-85EE-29A646F93CB6}" type="datetimeFigureOut">
               <a:rPr lang="zh-CN" altLang="en-US" smtClean="0"/>
               <a:t>2024/3/10</a:t>
             </a:fld>
@@ -2386,7 +2386,7 @@
           <p:cNvPr id="6" name="页脚占位符 5">
             <a:extLst>
               <a:ext uri="{FF2B5EF4-FFF2-40B4-BE49-F238E27FC236}">
-                <a16:creationId xmlns:a16="http://schemas.microsoft.com/office/drawing/2014/main" id="{53618381-F0D5-86C8-08B8-289B172F00CA}"/>
+                <a16:creationId xmlns:a16="http://schemas.microsoft.com/office/drawing/2014/main" id="{470DF942-6B61-27C6-2BE7-4F96A5D29F11}"/>
               </a:ext>
             </a:extLst>
           </p:cNvPr>
@@ -2411,7 +2411,7 @@
           <p:cNvPr id="7" name="灯片编号占位符 6">
             <a:extLst>
               <a:ext uri="{FF2B5EF4-FFF2-40B4-BE49-F238E27FC236}">
-                <a16:creationId xmlns:a16="http://schemas.microsoft.com/office/drawing/2014/main" id="{C39BC9F5-41D4-6DC2-4366-7DA88681ADA6}"/>
+                <a16:creationId xmlns:a16="http://schemas.microsoft.com/office/drawing/2014/main" id="{363003EA-A788-CAEB-E42B-B38E9DE64BC4}"/>
               </a:ext>
             </a:extLst>
           </p:cNvPr>
@@ -2427,7 +2427,7 @@
           <a:bodyPr/>
           <a:lstStyle/>
           <a:p>
-            <a:fld id="{32CBA043-B185-443D-B9B8-C8C7EA288417}" type="slidenum">
+            <a:fld id="{C91ECEB5-786F-4011-9087-37A6EB93C432}" type="slidenum">
               <a:rPr lang="zh-CN" altLang="en-US" smtClean="0"/>
               <a:t>‹#›</a:t>
             </a:fld>
@@ -2438,7 +2438,7 @@
     </p:spTree>
     <p:extLst>
       <p:ext uri="{BB962C8B-B14F-4D97-AF65-F5344CB8AC3E}">
-        <p14:creationId xmlns:p14="http://schemas.microsoft.com/office/powerpoint/2010/main" val="3193964723"/>
+        <p14:creationId xmlns:p14="http://schemas.microsoft.com/office/powerpoint/2010/main" val="1781160756"/>
       </p:ext>
     </p:extLst>
   </p:cSld>
@@ -2470,7 +2470,7 @@
           <p:cNvPr id="2" name="标题 1">
             <a:extLst>
               <a:ext uri="{FF2B5EF4-FFF2-40B4-BE49-F238E27FC236}">
-                <a16:creationId xmlns:a16="http://schemas.microsoft.com/office/drawing/2014/main" id="{3F9F65AC-A861-4BCA-3B9A-CEDC8C976465}"/>
+                <a16:creationId xmlns:a16="http://schemas.microsoft.com/office/drawing/2014/main" id="{CEBE3391-8019-4BA8-ADA6-7DFE0F4ED285}"/>
               </a:ext>
             </a:extLst>
           </p:cNvPr>
@@ -2507,7 +2507,7 @@
           <p:cNvPr id="3" name="图片占位符 2">
             <a:extLst>
               <a:ext uri="{FF2B5EF4-FFF2-40B4-BE49-F238E27FC236}">
-                <a16:creationId xmlns:a16="http://schemas.microsoft.com/office/drawing/2014/main" id="{2B174A82-1221-C4F1-335A-F420AEE731CF}"/>
+                <a16:creationId xmlns:a16="http://schemas.microsoft.com/office/drawing/2014/main" id="{491E1FF0-27B0-F524-5F94-375972FE1483}"/>
               </a:ext>
             </a:extLst>
           </p:cNvPr>
@@ -2574,7 +2574,7 @@
           <p:cNvPr id="4" name="文本占位符 3">
             <a:extLst>
               <a:ext uri="{FF2B5EF4-FFF2-40B4-BE49-F238E27FC236}">
-                <a16:creationId xmlns:a16="http://schemas.microsoft.com/office/drawing/2014/main" id="{BEC1FC69-9DDB-7D44-4912-0CE637861863}"/>
+                <a16:creationId xmlns:a16="http://schemas.microsoft.com/office/drawing/2014/main" id="{9ED87EEA-2416-0A57-2A4B-5A5BC25E5E44}"/>
               </a:ext>
             </a:extLst>
           </p:cNvPr>
@@ -2645,7 +2645,7 @@
           <p:cNvPr id="5" name="日期占位符 4">
             <a:extLst>
               <a:ext uri="{FF2B5EF4-FFF2-40B4-BE49-F238E27FC236}">
-                <a16:creationId xmlns:a16="http://schemas.microsoft.com/office/drawing/2014/main" id="{C3FDDD54-F5D1-9969-460C-43A7B00B27EB}"/>
+                <a16:creationId xmlns:a16="http://schemas.microsoft.com/office/drawing/2014/main" id="{D0F91AA9-1BF7-23D1-7A16-B84B5FAEC86A}"/>
               </a:ext>
             </a:extLst>
           </p:cNvPr>
@@ -2661,7 +2661,7 @@
           <a:bodyPr/>
           <a:lstStyle/>
           <a:p>
-            <a:fld id="{034AA714-5794-4B31-A90F-D112511BB005}" type="datetimeFigureOut">
+            <a:fld id="{65048FFF-28BC-4293-85EE-29A646F93CB6}" type="datetimeFigureOut">
               <a:rPr lang="zh-CN" altLang="en-US" smtClean="0"/>
               <a:t>2024/3/10</a:t>
             </a:fld>
@@ -2674,7 +2674,7 @@
           <p:cNvPr id="6" name="页脚占位符 5">
             <a:extLst>
               <a:ext uri="{FF2B5EF4-FFF2-40B4-BE49-F238E27FC236}">
-                <a16:creationId xmlns:a16="http://schemas.microsoft.com/office/drawing/2014/main" id="{40C8DA49-A0F8-A6A7-CA48-288FFD4CCD28}"/>
+                <a16:creationId xmlns:a16="http://schemas.microsoft.com/office/drawing/2014/main" id="{A1C28BC5-ECCF-5A25-693F-FCB1D170A0BF}"/>
               </a:ext>
             </a:extLst>
           </p:cNvPr>
@@ -2699,7 +2699,7 @@
           <p:cNvPr id="7" name="灯片编号占位符 6">
             <a:extLst>
               <a:ext uri="{FF2B5EF4-FFF2-40B4-BE49-F238E27FC236}">
-                <a16:creationId xmlns:a16="http://schemas.microsoft.com/office/drawing/2014/main" id="{6F122DBE-1DBF-C4C8-032C-D7ECF25C9302}"/>
+                <a16:creationId xmlns:a16="http://schemas.microsoft.com/office/drawing/2014/main" id="{E1FC9504-0EA4-2725-7F57-992EDC24DFDE}"/>
               </a:ext>
             </a:extLst>
           </p:cNvPr>
@@ -2715,7 +2715,7 @@
           <a:bodyPr/>
           <a:lstStyle/>
           <a:p>
-            <a:fld id="{32CBA043-B185-443D-B9B8-C8C7EA288417}" type="slidenum">
+            <a:fld id="{C91ECEB5-786F-4011-9087-37A6EB93C432}" type="slidenum">
               <a:rPr lang="zh-CN" altLang="en-US" smtClean="0"/>
               <a:t>‹#›</a:t>
             </a:fld>
@@ -2726,7 +2726,7 @@
     </p:spTree>
     <p:extLst>
       <p:ext uri="{BB962C8B-B14F-4D97-AF65-F5344CB8AC3E}">
-        <p14:creationId xmlns:p14="http://schemas.microsoft.com/office/powerpoint/2010/main" val="1726139868"/>
+        <p14:creationId xmlns:p14="http://schemas.microsoft.com/office/powerpoint/2010/main" val="37316954"/>
       </p:ext>
     </p:extLst>
   </p:cSld>
@@ -2763,7 +2763,7 @@
           <p:cNvPr id="2" name="标题占位符 1">
             <a:extLst>
               <a:ext uri="{FF2B5EF4-FFF2-40B4-BE49-F238E27FC236}">
-                <a16:creationId xmlns:a16="http://schemas.microsoft.com/office/drawing/2014/main" id="{A3686EC2-DC5B-4037-0273-033EBC2B307D}"/>
+                <a16:creationId xmlns:a16="http://schemas.microsoft.com/office/drawing/2014/main" id="{C6848B55-7CF1-4E9D-526C-83218DFB8144}"/>
               </a:ext>
             </a:extLst>
           </p:cNvPr>
@@ -2801,7 +2801,7 @@
           <p:cNvPr id="3" name="文本占位符 2">
             <a:extLst>
               <a:ext uri="{FF2B5EF4-FFF2-40B4-BE49-F238E27FC236}">
-                <a16:creationId xmlns:a16="http://schemas.microsoft.com/office/drawing/2014/main" id="{57863FE9-A14C-D3CD-0FC4-57B5B50EACE8}"/>
+                <a16:creationId xmlns:a16="http://schemas.microsoft.com/office/drawing/2014/main" id="{C46B1592-CF77-8198-1D4F-76C2F40B185F}"/>
               </a:ext>
             </a:extLst>
           </p:cNvPr>
@@ -2868,7 +2868,7 @@
           <p:cNvPr id="4" name="日期占位符 3">
             <a:extLst>
               <a:ext uri="{FF2B5EF4-FFF2-40B4-BE49-F238E27FC236}">
-                <a16:creationId xmlns:a16="http://schemas.microsoft.com/office/drawing/2014/main" id="{6032C715-FA5D-49A2-D471-998397939112}"/>
+                <a16:creationId xmlns:a16="http://schemas.microsoft.com/office/drawing/2014/main" id="{A5E2533D-AAFB-1FE8-94DA-50CFCD4836B6}"/>
               </a:ext>
             </a:extLst>
           </p:cNvPr>
@@ -2902,7 +2902,7 @@
             </a:lvl1pPr>
           </a:lstStyle>
           <a:p>
-            <a:fld id="{034AA714-5794-4B31-A90F-D112511BB005}" type="datetimeFigureOut">
+            <a:fld id="{65048FFF-28BC-4293-85EE-29A646F93CB6}" type="datetimeFigureOut">
               <a:rPr lang="zh-CN" altLang="en-US" smtClean="0"/>
               <a:t>2024/3/10</a:t>
             </a:fld>
@@ -2915,7 +2915,7 @@
           <p:cNvPr id="5" name="页脚占位符 4">
             <a:extLst>
               <a:ext uri="{FF2B5EF4-FFF2-40B4-BE49-F238E27FC236}">
-                <a16:creationId xmlns:a16="http://schemas.microsoft.com/office/drawing/2014/main" id="{885A326C-639E-824D-DBED-F1367E0E191D}"/>
+                <a16:creationId xmlns:a16="http://schemas.microsoft.com/office/drawing/2014/main" id="{EFC8A733-A7DC-5587-45D9-4792D301F614}"/>
               </a:ext>
             </a:extLst>
           </p:cNvPr>
@@ -2958,7 +2958,7 @@
           <p:cNvPr id="6" name="灯片编号占位符 5">
             <a:extLst>
               <a:ext uri="{FF2B5EF4-FFF2-40B4-BE49-F238E27FC236}">
-                <a16:creationId xmlns:a16="http://schemas.microsoft.com/office/drawing/2014/main" id="{19732E74-D299-710B-A45D-8DA7D11EA8F0}"/>
+                <a16:creationId xmlns:a16="http://schemas.microsoft.com/office/drawing/2014/main" id="{12FB43C3-DDD0-37ED-E459-A480A4AFEB09}"/>
               </a:ext>
             </a:extLst>
           </p:cNvPr>
@@ -2992,7 +2992,7 @@
             </a:lvl1pPr>
           </a:lstStyle>
           <a:p>
-            <a:fld id="{32CBA043-B185-443D-B9B8-C8C7EA288417}" type="slidenum">
+            <a:fld id="{C91ECEB5-786F-4011-9087-37A6EB93C432}" type="slidenum">
               <a:rPr lang="zh-CN" altLang="en-US" smtClean="0"/>
               <a:t>‹#›</a:t>
             </a:fld>
@@ -3003,7 +3003,7 @@
     </p:spTree>
     <p:extLst>
       <p:ext uri="{BB962C8B-B14F-4D97-AF65-F5344CB8AC3E}">
-        <p14:creationId xmlns:p14="http://schemas.microsoft.com/office/powerpoint/2010/main" val="2257477087"/>
+        <p14:creationId xmlns:p14="http://schemas.microsoft.com/office/powerpoint/2010/main" val="2516477857"/>
       </p:ext>
     </p:extLst>
   </p:cSld>
